--- a/08.C#Web/1.WebBesic/03.StateManagement/03. CSharp-Web-Basics-Web Server-State-Management.pptx
+++ b/08.C#Web/1.WebBesic/03.StateManagement/03. CSharp-Web-Basics-Web Server-State-Management.pptx
@@ -321,7 +321,7 @@
           <a:p>
             <a:fld id="{4E087215-0C8F-4762-A664-737A353EC9A4}" type="datetimeFigureOut">
               <a:rPr lang="bg-BG" smtClean="0"/>
-              <a:t>14.3.2021 г.</a:t>
+              <a:t>5.5.2021 г.</a:t>
             </a:fld>
             <a:endParaRPr lang="bg-BG"/>
           </a:p>
@@ -512,7 +512,7 @@
           <a:p>
             <a:fld id="{72D84649-876A-46C9-8472-14CB09C070D8}" type="datetimeFigureOut">
               <a:rPr lang="en-US" smtClean="0"/>
-              <a:t>3/14/2021</a:t>
+              <a:t>5/5/2021</a:t>
             </a:fld>
             <a:endParaRPr lang="en-US"/>
           </a:p>
@@ -2444,7 +2444,7 @@
           <p:nvPr userDrawn="1"/>
         </p:nvPicPr>
         <p:blipFill>
-          <a:blip r:embed="rId2">
+          <a:blip r:embed="rId2" cstate="hqprint">
             <a:clrChange>
               <a:clrFrom>
                 <a:srgbClr val="FFFFFF"/>
@@ -2650,7 +2650,7 @@
           <p:nvPr userDrawn="1"/>
         </p:nvPicPr>
         <p:blipFill>
-          <a:blip r:embed="rId5">
+          <a:blip r:embed="rId5" cstate="hqprint">
             <a:clrChange>
               <a:clrFrom>
                 <a:srgbClr val="FFFFFF"/>
@@ -3889,7 +3889,7 @@
           <p:nvPr userDrawn="1"/>
         </p:nvPicPr>
         <p:blipFill>
-          <a:blip r:embed="rId11">
+          <a:blip r:embed="rId11" cstate="hqprint">
             <a:clrChange>
               <a:clrFrom>
                 <a:srgbClr val="FFFFFF"/>
@@ -4115,7 +4115,7 @@
           <p:nvPr userDrawn="1"/>
         </p:nvPicPr>
         <p:blipFill>
-          <a:blip r:embed="rId7">
+          <a:blip r:embed="rId7" cstate="hqprint">
             <a:extLst>
               <a:ext uri="{28A0092B-C50C-407E-A947-70E740481C1C}">
                 <a14:useLocalDpi xmlns:a14="http://schemas.microsoft.com/office/drawing/2010/main" val="0"/>
@@ -4396,7 +4396,7 @@
           <p:nvPr userDrawn="1"/>
         </p:nvPicPr>
         <p:blipFill>
-          <a:blip r:embed="rId11">
+          <a:blip r:embed="rId11" cstate="hqprint">
             <a:extLst>
               <a:ext uri="{28A0092B-C50C-407E-A947-70E740481C1C}">
                 <a14:useLocalDpi xmlns:a14="http://schemas.microsoft.com/office/drawing/2010/main" val="0"/>
@@ -4916,7 +4916,7 @@
           <p:nvPr userDrawn="1"/>
         </p:nvPicPr>
         <p:blipFill>
-          <a:blip r:embed="rId2">
+          <a:blip r:embed="rId2" cstate="hqprint">
             <a:extLst>
               <a:ext uri="{28A0092B-C50C-407E-A947-70E740481C1C}">
                 <a14:useLocalDpi xmlns:a14="http://schemas.microsoft.com/office/drawing/2010/main" val="0"/>
@@ -5246,7 +5246,7 @@
           <p:nvPr userDrawn="1"/>
         </p:nvPicPr>
         <p:blipFill>
-          <a:blip r:embed="rId2">
+          <a:blip r:embed="rId2" cstate="hqprint">
             <a:clrChange>
               <a:clrFrom>
                 <a:srgbClr val="FFFFFF"/>
@@ -6668,7 +6668,7 @@
           <p:nvPr userDrawn="1"/>
         </p:nvPicPr>
         <p:blipFill>
-          <a:blip r:embed="rId2">
+          <a:blip r:embed="rId2" cstate="hqprint">
             <a:clrChange>
               <a:clrFrom>
                 <a:srgbClr val="FFFFFF"/>
@@ -9408,7 +9408,7 @@
           <p:nvPr userDrawn="1"/>
         </p:nvPicPr>
         <p:blipFill>
-          <a:blip r:embed="rId2">
+          <a:blip r:embed="rId2" cstate="hqprint">
             <a:extLst>
               <a:ext uri="{28A0092B-C50C-407E-A947-70E740481C1C}">
                 <a14:useLocalDpi xmlns:a14="http://schemas.microsoft.com/office/drawing/2010/main" val="0"/>
@@ -9999,7 +9999,7 @@
           <p:nvPr userDrawn="1"/>
         </p:nvPicPr>
         <p:blipFill>
-          <a:blip r:embed="rId3">
+          <a:blip r:embed="rId3" cstate="hqprint">
             <a:extLst>
               <a:ext uri="{28A0092B-C50C-407E-A947-70E740481C1C}">
                 <a14:useLocalDpi xmlns:a14="http://schemas.microsoft.com/office/drawing/2010/main" val="0"/>
@@ -10640,7 +10640,7 @@
           <p:nvPr userDrawn="1"/>
         </p:nvPicPr>
         <p:blipFill>
-          <a:blip r:embed="rId2">
+          <a:blip r:embed="rId2" cstate="hqprint">
             <a:extLst>
               <a:ext uri="{28A0092B-C50C-407E-A947-70E740481C1C}">
                 <a14:useLocalDpi xmlns:a14="http://schemas.microsoft.com/office/drawing/2010/main" val="0"/>
@@ -11570,7 +11570,7 @@
         </p:nvSpPr>
         <p:spPr bwMode="auto">
           <a:xfrm>
-            <a:off x="404127" y="2421819"/>
+            <a:off x="329667" y="2464905"/>
             <a:ext cx="11529490" cy="1007181"/>
           </a:xfrm>
           <a:prstGeom prst="rect">
@@ -14684,7 +14684,7 @@
             </a:r>
           </a:p>
           <a:p>
-            <a:pPr lvl="2"/>
+            <a:pPr lvl="1"/>
             <a:r>
               <a:rPr lang="en-US" dirty="0"/>
               <a:t>By default the cookies are deleted after the end of the session</a:t>
@@ -15294,19 +15294,25 @@
               </a:buClr>
             </a:pPr>
             <a:r>
-              <a:rPr lang="en-US" b="1" dirty="0">
+              <a:rPr lang="en-US" b="1" dirty="0" smtClean="0">
                 <a:solidFill>
                   <a:schemeClr val="bg1"/>
                 </a:solidFill>
                 <a:latin typeface="Consolas" panose="020B0609020204030204" pitchFamily="49" charset="0"/>
               </a:rPr>
-              <a:t>Security</a:t>
+              <a:t>Secure</a:t>
+            </a:r>
+            <a:r>
+              <a:rPr lang="en-US" dirty="0" smtClean="0">
+                <a:latin typeface="+mj-lt"/>
+              </a:rPr>
+              <a:t> </a:t>
             </a:r>
             <a:r>
               <a:rPr lang="en-US" dirty="0">
                 <a:latin typeface="+mj-lt"/>
               </a:rPr>
-              <a:t> -  tells the browser to </a:t>
+              <a:t>-  tells the browser to </a:t>
             </a:r>
             <a:r>
               <a:rPr lang="en-US" dirty="0"/>
@@ -16242,8 +16248,12 @@
           <a:lstStyle/>
           <a:p>
             <a:r>
-              <a:rPr lang="en-US"/>
-              <a:t>Examine Your Cookies</a:t>
+              <a:rPr lang="en-US" dirty="0"/>
+              <a:t>Examine Your </a:t>
+            </a:r>
+            <a:r>
+              <a:rPr lang="en-US" dirty="0" smtClean="0"/>
+              <a:t>Cookies (1)</a:t>
             </a:r>
             <a:endParaRPr lang="bg-BG" dirty="0"/>
           </a:p>
@@ -18827,8 +18837,12 @@
           <a:lstStyle/>
           <a:p>
             <a:r>
-              <a:rPr lang="en-US"/>
-              <a:t>Control Your Cookies – Mozilla Browser</a:t>
+              <a:rPr lang="en-US" dirty="0"/>
+              <a:t>Control Your Cookies – Mozilla </a:t>
+            </a:r>
+            <a:r>
+              <a:rPr lang="en-US" dirty="0" smtClean="0"/>
+              <a:t>Browser (1)</a:t>
             </a:r>
             <a:endParaRPr lang="bg-BG" dirty="0"/>
           </a:p>
@@ -23316,7 +23330,7 @@
                 <a14:useLocalDpi xmlns:a14="http://schemas.microsoft.com/office/drawing/2010/main" val="0"/>
               </a:ext>
               <a:ext uri="{96DAC541-7B7A-43D3-8B79-37D633B846F1}">
-                <asvg:svgBlip xmlns:asvg="http://schemas.microsoft.com/office/drawing/2016/SVG/main" r:embed="rId3"/>
+                <asvg:svgBlip xmlns:asvg="http://schemas.microsoft.com/office/drawing/2016/SVG/main" xmlns="" r:embed="rId3"/>
               </a:ext>
             </a:extLst>
           </a:blip>
@@ -27346,6 +27360,14 @@
               </a:rPr>
               <a:t>sid</a:t>
             </a:r>
+            <a:r>
+              <a:rPr lang="en-US" sz="2800" dirty="0">
+                <a:solidFill>
+                  <a:schemeClr val="bg1"/>
+                </a:solidFill>
+              </a:rPr>
+              <a:t/>
+            </a:r>
             <a:br>
               <a:rPr lang="en-US" sz="2800" dirty="0">
                 <a:solidFill>
@@ -27545,6 +27567,16 @@
               </a:rPr>
               <a:t>sid</a:t>
             </a:r>
+            <a:r>
+              <a:rPr lang="en-US" sz="2800" dirty="0">
+                <a:solidFill>
+                  <a:schemeClr val="tx2">
+                    <a:lumMod val="75000"/>
+                  </a:schemeClr>
+                </a:solidFill>
+              </a:rPr>
+              <a:t/>
+            </a:r>
             <a:br>
               <a:rPr lang="en-US" sz="2800" dirty="0">
                 <a:solidFill>
@@ -27675,6 +27707,14 @@
           <a:bodyPr rtlCol="0" anchor="ctr"/>
           <a:lstStyle/>
           <a:p>
+            <a:r>
+              <a:rPr lang="en-US" sz="2000" b="1" dirty="0">
+                <a:solidFill>
+                  <a:schemeClr val="bg2"/>
+                </a:solidFill>
+              </a:rPr>
+              <a:t/>
+            </a:r>
             <a:br>
               <a:rPr lang="en-US" sz="2000" b="1" dirty="0">
                 <a:solidFill>
@@ -29213,6 +29253,10 @@
               </a:rPr>
               <a:t>sli.do</a:t>
             </a:r>
+            <a:r>
+              <a:rPr lang="en-US" sz="6000" b="1" dirty="0"/>
+              <a:t/>
+            </a:r>
             <a:br>
               <a:rPr lang="en-US" sz="6000" b="1" dirty="0"/>
             </a:br>
@@ -32213,7 +32257,7 @@
         </p:spPr>
         <p:txBody>
           <a:bodyPr>
-            <a:normAutofit/>
+            <a:normAutofit lnSpcReduction="10000"/>
           </a:bodyPr>
           <a:lstStyle/>
           <a:p>
@@ -33034,7 +33078,7 @@
                   <a14:useLocalDpi xmlns:a14="http://schemas.microsoft.com/office/drawing/2010/main" val="0"/>
                 </a:ext>
                 <a:ext uri="{96DAC541-7B7A-43D3-8B79-37D633B846F1}">
-                  <asvg:svgBlip xmlns:asvg="http://schemas.microsoft.com/office/drawing/2016/SVG/main" r:embed="rId3"/>
+                  <asvg:svgBlip xmlns:asvg="http://schemas.microsoft.com/office/drawing/2016/SVG/main" xmlns="" r:embed="rId3"/>
                 </a:ext>
               </a:extLst>
             </a:blip>
@@ -33400,7 +33444,7 @@
         </p:spPr>
         <p:txBody>
           <a:bodyPr>
-            <a:normAutofit/>
+            <a:normAutofit lnSpcReduction="10000"/>
           </a:bodyPr>
           <a:lstStyle/>
           <a:p>
